--- a/SecurePlatform/project/ss/ProjectPresentation.pptx
+++ b/SecurePlatform/project/ss/ProjectPresentation.pptx
@@ -219,7 +219,7 @@
           <a:p>
             <a:fld id="{B56F32FC-4BD9-442A-A8C6-51598C909FE3}" type="datetimeFigureOut">
               <a:rPr lang="en-US" smtClean="0"/>
-              <a:t>1/28/2026</a:t>
+              <a:t>1/29/2026</a:t>
             </a:fld>
             <a:endParaRPr lang="en-US" dirty="0"/>
           </a:p>
@@ -396,7 +396,7 @@
           <a:p>
             <a:fld id="{056371FA-A98D-41E8-93F4-09945841298A}" type="datetimeFigureOut">
               <a:rPr lang="en-US" smtClean="0"/>
-              <a:t>1/28/2026</a:t>
+              <a:t>1/29/2026</a:t>
             </a:fld>
             <a:endParaRPr lang="en-US" dirty="0"/>
           </a:p>
@@ -1442,7 +1442,7 @@
             <a:fld id="{B61BEF0D-F0BB-DE4B-95CE-6DB70DBA9567}" type="datetimeFigureOut">
               <a:rPr lang="en-US" smtClean="0"/>
               <a:pPr/>
-              <a:t>1/28/2026</a:t>
+              <a:t>1/29/2026</a:t>
             </a:fld>
             <a:endParaRPr lang="en-US" dirty="0"/>
           </a:p>
@@ -12419,7 +12419,7 @@
         </p:nvSpPr>
         <p:spPr>
           <a:xfrm>
-            <a:off x="6265914" y="2760764"/>
+            <a:off x="5846037" y="2760764"/>
             <a:ext cx="5775960" cy="2539522"/>
           </a:xfrm>
         </p:spPr>
@@ -12441,7 +12441,7 @@
                   <a:schemeClr val="tx1"/>
                 </a:solidFill>
               </a:rPr>
-              <a:t>BLOCKCHAIN-BASED  SECURE PLATFORM PROTOTYPE</a:t>
+              <a:t>BLOCKCHAIN-BASED  SECURE MESSAGING PLATFORM</a:t>
             </a:r>
           </a:p>
         </p:txBody>
@@ -12613,7 +12613,7 @@
             </a:pPr>
             <a:r>
               <a:rPr lang="en-US" sz="1800" dirty="0"/>
-              <a:t>This Prototype focuses on building a secure registration and data handling layer.</a:t>
+              <a:t>This project focuses on building a secure registration, messaging and data handling layer.</a:t>
             </a:r>
           </a:p>
           <a:p>
@@ -12829,9 +12829,10 @@
               <a:buChar char="•"/>
             </a:pPr>
             <a:r>
-              <a:rPr lang="en-US" sz="1800" dirty="0"/>
-              <a:t>File I/O – Local data persistence (prototype storage)</a:t>
-            </a:r>
+              <a:rPr lang="en-ZA" sz="1800" dirty="0"/>
+              <a:t>Database Persistence – MySQL for Secure Data Storage</a:t>
+            </a:r>
+            <a:endParaRPr lang="en-US" sz="1800" dirty="0"/>
           </a:p>
         </p:txBody>
       </p:sp>
@@ -14416,15 +14417,6 @@
 </file>
 
 <file path=customXml/item2.xml><?xml version="1.0" encoding="utf-8"?>
-<?mso-contentType ?>
-<FormTemplates xmlns="http://schemas.microsoft.com/sharepoint/v3/contenttype/forms">
-  <Display>DocumentLibraryForm</Display>
-  <Edit>DocumentLibraryForm</Edit>
-  <New>DocumentLibraryForm</New>
-</FormTemplates>
-</file>
-
-<file path=customXml/item3.xml><?xml version="1.0" encoding="utf-8"?>
 <p:properties xmlns:p="http://schemas.microsoft.com/office/2006/metadata/properties" xmlns:xsi="http://www.w3.org/2001/XMLSchema-instance" xmlns:pc="http://schemas.microsoft.com/office/infopath/2007/PartnerControls">
   <documentManagement>
     <_ip_UnifiedCompliancePolicyUIAction xmlns="http://schemas.microsoft.com/sharepoint/v3" xsi:nil="true"/>
@@ -14441,6 +14433,15 @@
     <MediaServiceKeyPoints xmlns="71af3243-3dd4-4a8d-8c0d-dd76da1f02a5" xsi:nil="true"/>
   </documentManagement>
 </p:properties>
+</file>
+
+<file path=customXml/item3.xml><?xml version="1.0" encoding="utf-8"?>
+<?mso-contentType ?>
+<FormTemplates xmlns="http://schemas.microsoft.com/sharepoint/v3/contenttype/forms">
+  <Display>DocumentLibraryForm</Display>
+  <Edit>DocumentLibraryForm</Edit>
+  <New>DocumentLibraryForm</New>
+</FormTemplates>
 </file>
 
 <file path=customXml/itemProps1.xml><?xml version="1.0" encoding="utf-8"?>
@@ -14465,14 +14466,6 @@
 </file>
 
 <file path=customXml/itemProps2.xml><?xml version="1.0" encoding="utf-8"?>
-<ds:datastoreItem xmlns:ds="http://schemas.openxmlformats.org/officeDocument/2006/customXml" ds:itemID="{0FD6FE22-81A0-4500-AFD0-342D21BB9A2C}">
-  <ds:schemaRefs>
-    <ds:schemaRef ds:uri="http://schemas.microsoft.com/sharepoint/v3/contenttype/forms"/>
-  </ds:schemaRefs>
-</ds:datastoreItem>
-</file>
-
-<file path=customXml/itemProps3.xml><?xml version="1.0" encoding="utf-8"?>
 <ds:datastoreItem xmlns:ds="http://schemas.openxmlformats.org/officeDocument/2006/customXml" ds:itemID="{29C43685-694E-4579-B109-3C418D49DA65}">
   <ds:schemaRefs>
     <ds:schemaRef ds:uri="http://schemas.microsoft.com/office/2006/metadata/properties"/>
@@ -14484,6 +14477,14 @@
 </ds:datastoreItem>
 </file>
 
+<file path=customXml/itemProps3.xml><?xml version="1.0" encoding="utf-8"?>
+<ds:datastoreItem xmlns:ds="http://schemas.openxmlformats.org/officeDocument/2006/customXml" ds:itemID="{0FD6FE22-81A0-4500-AFD0-342D21BB9A2C}">
+  <ds:schemaRefs>
+    <ds:schemaRef ds:uri="http://schemas.microsoft.com/sharepoint/v3/contenttype/forms"/>
+  </ds:schemaRefs>
+</ds:datastoreItem>
+</file>
+
 <file path=docMetadata/LabelInfo.xml><?xml version="1.0" encoding="utf-8"?>
 <clbl:labelList xmlns:clbl="http://schemas.microsoft.com/office/2020/mipLabelMetadata">
   <clbl:label id="{f42aa342-8706-4288-bd11-ebb85995028c}" enabled="1" method="Standard" siteId="{72f988bf-86f1-41af-91ab-2d7cd011db47}" removed="0"/>
